--- a/fig/figs.pptx
+++ b/fig/figs.pptx
@@ -261,7 +261,7 @@
           <a:p>
             <a:fld id="{6BCE343B-824A-438F-970C-14A8E64EE9C9}" type="datetimeFigureOut">
               <a:rPr lang="en-US" smtClean="0"/>
-              <a:t>4/21/2022</a:t>
+              <a:t>5/8/2022</a:t>
             </a:fld>
             <a:endParaRPr lang="en-US"/>
           </a:p>
@@ -459,7 +459,7 @@
           <a:p>
             <a:fld id="{6BCE343B-824A-438F-970C-14A8E64EE9C9}" type="datetimeFigureOut">
               <a:rPr lang="en-US" smtClean="0"/>
-              <a:t>4/21/2022</a:t>
+              <a:t>5/8/2022</a:t>
             </a:fld>
             <a:endParaRPr lang="en-US"/>
           </a:p>
@@ -667,7 +667,7 @@
           <a:p>
             <a:fld id="{6BCE343B-824A-438F-970C-14A8E64EE9C9}" type="datetimeFigureOut">
               <a:rPr lang="en-US" smtClean="0"/>
-              <a:t>4/21/2022</a:t>
+              <a:t>5/8/2022</a:t>
             </a:fld>
             <a:endParaRPr lang="en-US"/>
           </a:p>
@@ -865,7 +865,7 @@
           <a:p>
             <a:fld id="{6BCE343B-824A-438F-970C-14A8E64EE9C9}" type="datetimeFigureOut">
               <a:rPr lang="en-US" smtClean="0"/>
-              <a:t>4/21/2022</a:t>
+              <a:t>5/8/2022</a:t>
             </a:fld>
             <a:endParaRPr lang="en-US"/>
           </a:p>
@@ -1140,7 +1140,7 @@
           <a:p>
             <a:fld id="{6BCE343B-824A-438F-970C-14A8E64EE9C9}" type="datetimeFigureOut">
               <a:rPr lang="en-US" smtClean="0"/>
-              <a:t>4/21/2022</a:t>
+              <a:t>5/8/2022</a:t>
             </a:fld>
             <a:endParaRPr lang="en-US"/>
           </a:p>
@@ -1405,7 +1405,7 @@
           <a:p>
             <a:fld id="{6BCE343B-824A-438F-970C-14A8E64EE9C9}" type="datetimeFigureOut">
               <a:rPr lang="en-US" smtClean="0"/>
-              <a:t>4/21/2022</a:t>
+              <a:t>5/8/2022</a:t>
             </a:fld>
             <a:endParaRPr lang="en-US"/>
           </a:p>
@@ -1817,7 +1817,7 @@
           <a:p>
             <a:fld id="{6BCE343B-824A-438F-970C-14A8E64EE9C9}" type="datetimeFigureOut">
               <a:rPr lang="en-US" smtClean="0"/>
-              <a:t>4/21/2022</a:t>
+              <a:t>5/8/2022</a:t>
             </a:fld>
             <a:endParaRPr lang="en-US"/>
           </a:p>
@@ -1958,7 +1958,7 @@
           <a:p>
             <a:fld id="{6BCE343B-824A-438F-970C-14A8E64EE9C9}" type="datetimeFigureOut">
               <a:rPr lang="en-US" smtClean="0"/>
-              <a:t>4/21/2022</a:t>
+              <a:t>5/8/2022</a:t>
             </a:fld>
             <a:endParaRPr lang="en-US"/>
           </a:p>
@@ -2071,7 +2071,7 @@
           <a:p>
             <a:fld id="{6BCE343B-824A-438F-970C-14A8E64EE9C9}" type="datetimeFigureOut">
               <a:rPr lang="en-US" smtClean="0"/>
-              <a:t>4/21/2022</a:t>
+              <a:t>5/8/2022</a:t>
             </a:fld>
             <a:endParaRPr lang="en-US"/>
           </a:p>
@@ -2382,7 +2382,7 @@
           <a:p>
             <a:fld id="{6BCE343B-824A-438F-970C-14A8E64EE9C9}" type="datetimeFigureOut">
               <a:rPr lang="en-US" smtClean="0"/>
-              <a:t>4/21/2022</a:t>
+              <a:t>5/8/2022</a:t>
             </a:fld>
             <a:endParaRPr lang="en-US"/>
           </a:p>
@@ -2670,7 +2670,7 @@
           <a:p>
             <a:fld id="{6BCE343B-824A-438F-970C-14A8E64EE9C9}" type="datetimeFigureOut">
               <a:rPr lang="en-US" smtClean="0"/>
-              <a:t>4/21/2022</a:t>
+              <a:t>5/8/2022</a:t>
             </a:fld>
             <a:endParaRPr lang="en-US"/>
           </a:p>
@@ -2911,7 +2911,7 @@
           <a:p>
             <a:fld id="{6BCE343B-824A-438F-970C-14A8E64EE9C9}" type="datetimeFigureOut">
               <a:rPr lang="en-US" smtClean="0"/>
-              <a:t>4/21/2022</a:t>
+              <a:t>5/8/2022</a:t>
             </a:fld>
             <a:endParaRPr lang="en-US"/>
           </a:p>
@@ -4168,8 +4168,8 @@
           </a:prstGeom>
         </p:spPr>
       </p:pic>
-      <mc:AlternateContent xmlns:mc="http://schemas.openxmlformats.org/markup-compatibility/2006">
-        <mc:Choice xmlns:a14="http://schemas.microsoft.com/office/drawing/2010/main" Requires="a14">
+      <mc:AlternateContent xmlns:mc="http://schemas.openxmlformats.org/markup-compatibility/2006" xmlns:a14="http://schemas.microsoft.com/office/drawing/2010/main">
+        <mc:Choice Requires="a14">
           <p:sp>
             <p:nvSpPr>
               <p:cNvPr id="8" name="TextBox 7">
@@ -4198,6 +4198,7 @@
               </a:bodyPr>
               <a:lstStyle/>
               <a:p>
+                <a:pPr/>
                 <a14:m>
                   <m:oMathPara xmlns:m="http://schemas.openxmlformats.org/officeDocument/2006/math">
                     <m:oMathParaPr>
@@ -4249,7 +4250,7 @@
             </p:txBody>
           </p:sp>
         </mc:Choice>
-        <mc:Fallback>
+        <mc:Fallback xmlns="">
           <p:sp>
             <p:nvSpPr>
               <p:cNvPr id="8" name="TextBox 7">
@@ -4324,6 +4325,7 @@
               </a:bodyPr>
               <a:lstStyle/>
               <a:p>
+                <a:pPr/>
                 <a14:m>
                   <m:oMathPara xmlns:m="http://schemas.openxmlformats.org/officeDocument/2006/math">
                     <m:oMathParaPr>
@@ -4420,8 +4422,8 @@
           </p:sp>
         </mc:Fallback>
       </mc:AlternateContent>
-      <mc:AlternateContent xmlns:mc="http://schemas.openxmlformats.org/markup-compatibility/2006">
-        <mc:Choice xmlns:a14="http://schemas.microsoft.com/office/drawing/2010/main" Requires="a14">
+      <mc:AlternateContent xmlns:mc="http://schemas.openxmlformats.org/markup-compatibility/2006" xmlns:a14="http://schemas.microsoft.com/office/drawing/2010/main">
+        <mc:Choice Requires="a14">
           <p:sp>
             <p:nvSpPr>
               <p:cNvPr id="26" name="TextBox 25">
@@ -4450,6 +4452,7 @@
               </a:bodyPr>
               <a:lstStyle/>
               <a:p>
+                <a:pPr/>
                 <a14:m>
                   <m:oMathPara xmlns:m="http://schemas.openxmlformats.org/officeDocument/2006/math">
                     <m:oMathParaPr>
@@ -4501,7 +4504,7 @@
             </p:txBody>
           </p:sp>
         </mc:Choice>
-        <mc:Fallback>
+        <mc:Fallback xmlns="">
           <p:sp>
             <p:nvSpPr>
               <p:cNvPr id="26" name="TextBox 25">
@@ -4562,8 +4565,8 @@
             </p:nvSpPr>
             <p:spPr>
               <a:xfrm>
-                <a:off x="3813587" y="122115"/>
-                <a:ext cx="1314649" cy="338554"/>
+                <a:off x="3462083" y="121215"/>
+                <a:ext cx="1967383" cy="338554"/>
               </a:xfrm>
               <a:prstGeom prst="rect">
                 <a:avLst/>
@@ -4578,6 +4581,30 @@
               <a:p>
                 <a14:m>
                   <m:oMath xmlns:m="http://schemas.openxmlformats.org/officeDocument/2006/math">
+                    <m:r>
+                      <m:rPr>
+                        <m:sty m:val="p"/>
+                      </m:rPr>
+                      <a:rPr lang="en-US" sz="1600" dirty="0">
+                        <a:latin typeface="Cambria Math" panose="02040503050406030204" pitchFamily="18" charset="0"/>
+                      </a:rPr>
+                      <m:t>D</m:t>
+                    </m:r>
+                    <m:r>
+                      <m:rPr>
+                        <m:sty m:val="p"/>
+                      </m:rPr>
+                      <a:rPr lang="en-US" sz="1600" b="0" i="0" dirty="0" smtClean="0">
+                        <a:latin typeface="Cambria Math" panose="02040503050406030204" pitchFamily="18" charset="0"/>
+                      </a:rPr>
+                      <m:t>etermistic</m:t>
+                    </m:r>
+                    <m:r>
+                      <a:rPr lang="en-US" sz="1600" b="0" i="0" dirty="0" smtClean="0">
+                        <a:latin typeface="Cambria Math" panose="02040503050406030204" pitchFamily="18" charset="0"/>
+                      </a:rPr>
+                      <m:t> </m:t>
+                    </m:r>
                     <m:r>
                       <m:rPr>
                         <m:sty m:val="p"/>
@@ -4600,7 +4627,7 @@
                 </a14:m>
                 <a:r>
                   <a:rPr lang="en-US" sz="1600" dirty="0"/>
-                  <a:t>_det(O)</a:t>
+                  <a:t> (O)</a:t>
                 </a:r>
               </a:p>
             </p:txBody>
@@ -4623,8 +4650,8 @@
             </p:nvSpPr>
             <p:spPr>
               <a:xfrm>
-                <a:off x="3813587" y="122115"/>
-                <a:ext cx="1314649" cy="338554"/>
+                <a:off x="3462083" y="121215"/>
+                <a:ext cx="1967383" cy="338554"/>
               </a:xfrm>
               <a:prstGeom prst="rect">
                 <a:avLst/>
@@ -4632,7 +4659,7 @@
               <a:blipFill>
                 <a:blip r:embed="rId22"/>
                 <a:stretch>
-                  <a:fillRect t="-5357" b="-21429"/>
+                  <a:fillRect t="-5455" r="-929" b="-23636"/>
                 </a:stretch>
               </a:blipFill>
             </p:spPr>
@@ -4667,8 +4694,8 @@
             </p:nvSpPr>
             <p:spPr>
               <a:xfrm>
-                <a:off x="5769837" y="102871"/>
-                <a:ext cx="1314649" cy="338554"/>
+                <a:off x="5429466" y="148375"/>
+                <a:ext cx="2162317" cy="338554"/>
               </a:xfrm>
               <a:prstGeom prst="rect">
                 <a:avLst/>
@@ -4683,6 +4710,21 @@
               <a:p>
                 <a14:m>
                   <m:oMath xmlns:m="http://schemas.openxmlformats.org/officeDocument/2006/math">
+                    <m:r>
+                      <m:rPr>
+                        <m:sty m:val="p"/>
+                      </m:rPr>
+                      <a:rPr lang="en-US" sz="1600" b="0" i="0" dirty="0" smtClean="0">
+                        <a:latin typeface="Cambria Math" panose="02040503050406030204" pitchFamily="18" charset="0"/>
+                      </a:rPr>
+                      <m:t>Deterministic</m:t>
+                    </m:r>
+                    <m:r>
+                      <a:rPr lang="en-US" sz="1600" b="0" i="0" dirty="0" smtClean="0">
+                        <a:latin typeface="Cambria Math" panose="02040503050406030204" pitchFamily="18" charset="0"/>
+                      </a:rPr>
+                      <m:t> </m:t>
+                    </m:r>
                     <m:r>
                       <m:rPr>
                         <m:sty m:val="p"/>
@@ -4705,7 +4747,7 @@
                 </a14:m>
                 <a:r>
                   <a:rPr lang="en-US" sz="1600" dirty="0"/>
-                  <a:t>_det(L)</a:t>
+                  <a:t> (L)</a:t>
                 </a:r>
               </a:p>
             </p:txBody>
@@ -4728,8 +4770,8 @@
             </p:nvSpPr>
             <p:spPr>
               <a:xfrm>
-                <a:off x="5769837" y="102871"/>
-                <a:ext cx="1314649" cy="338554"/>
+                <a:off x="5429466" y="148375"/>
+                <a:ext cx="2162317" cy="338554"/>
               </a:xfrm>
               <a:prstGeom prst="rect">
                 <a:avLst/>
@@ -4737,7 +4779,7 @@
               <a:blipFill>
                 <a:blip r:embed="rId23"/>
                 <a:stretch>
-                  <a:fillRect t="-5455" b="-23636"/>
+                  <a:fillRect t="-5357" b="-21429"/>
                 </a:stretch>
               </a:blipFill>
             </p:spPr>
@@ -4772,8 +4814,8 @@
             </p:nvSpPr>
             <p:spPr>
               <a:xfrm>
-                <a:off x="7929131" y="122115"/>
-                <a:ext cx="941647" cy="338554"/>
+                <a:off x="7433569" y="148375"/>
+                <a:ext cx="1967383" cy="338554"/>
               </a:xfrm>
               <a:prstGeom prst="rect">
                 <a:avLst/>
@@ -4786,6 +4828,10 @@
               </a:bodyPr>
               <a:lstStyle/>
               <a:p>
+                <a:r>
+                  <a:rPr lang="en-US" sz="1600" dirty="0"/>
+                  <a:t>Stochastic </a:t>
+                </a:r>
                 <a14:m>
                   <m:oMath xmlns:m="http://schemas.openxmlformats.org/officeDocument/2006/math">
                     <m:r>
@@ -4833,8 +4879,8 @@
             </p:nvSpPr>
             <p:spPr>
               <a:xfrm>
-                <a:off x="7929131" y="122115"/>
-                <a:ext cx="941647" cy="338554"/>
+                <a:off x="7433569" y="148375"/>
+                <a:ext cx="1967383" cy="338554"/>
               </a:xfrm>
               <a:prstGeom prst="rect">
                 <a:avLst/>
@@ -4842,7 +4888,7 @@
               <a:blipFill>
                 <a:blip r:embed="rId24"/>
                 <a:stretch>
-                  <a:fillRect t="-5357" b="-21429"/>
+                  <a:fillRect l="-1548" t="-5357" b="-21429"/>
                 </a:stretch>
               </a:blipFill>
             </p:spPr>
@@ -4877,8 +4923,8 @@
             </p:nvSpPr>
             <p:spPr>
               <a:xfrm>
-                <a:off x="9717382" y="122115"/>
-                <a:ext cx="941647" cy="338554"/>
+                <a:off x="9283064" y="140779"/>
+                <a:ext cx="1794707" cy="338554"/>
               </a:xfrm>
               <a:prstGeom prst="rect">
                 <a:avLst/>
@@ -4893,6 +4939,21 @@
               <a:p>
                 <a14:m>
                   <m:oMath xmlns:m="http://schemas.openxmlformats.org/officeDocument/2006/math">
+                    <m:r>
+                      <m:rPr>
+                        <m:sty m:val="p"/>
+                      </m:rPr>
+                      <a:rPr lang="en-US" sz="1600" b="0" i="0" dirty="0" smtClean="0">
+                        <a:latin typeface="Cambria Math" panose="02040503050406030204" pitchFamily="18" charset="0"/>
+                      </a:rPr>
+                      <m:t>Stochastic</m:t>
+                    </m:r>
+                    <m:r>
+                      <a:rPr lang="en-US" sz="1600" b="0" i="0" dirty="0" smtClean="0">
+                        <a:latin typeface="Cambria Math" panose="02040503050406030204" pitchFamily="18" charset="0"/>
+                      </a:rPr>
+                      <m:t> </m:t>
+                    </m:r>
                     <m:r>
                       <m:rPr>
                         <m:sty m:val="p"/>
@@ -4938,8 +4999,8 @@
             </p:nvSpPr>
             <p:spPr>
               <a:xfrm>
-                <a:off x="9717382" y="122115"/>
-                <a:ext cx="941647" cy="338554"/>
+                <a:off x="9283064" y="140779"/>
+                <a:ext cx="1794707" cy="338554"/>
               </a:xfrm>
               <a:prstGeom prst="rect">
                 <a:avLst/>
@@ -4947,7 +5008,7 @@
               <a:blipFill>
                 <a:blip r:embed="rId25"/>
                 <a:stretch>
-                  <a:fillRect t="-5357" b="-21429"/>
+                  <a:fillRect t="-5357" r="-680" b="-21429"/>
                 </a:stretch>
               </a:blipFill>
             </p:spPr>
@@ -4966,8 +5027,8 @@
           </p:sp>
         </mc:Fallback>
       </mc:AlternateContent>
-      <mc:AlternateContent xmlns:mc="http://schemas.openxmlformats.org/markup-compatibility/2006">
-        <mc:Choice xmlns:a14="http://schemas.microsoft.com/office/drawing/2010/main" Requires="a14">
+      <mc:AlternateContent xmlns:mc="http://schemas.openxmlformats.org/markup-compatibility/2006" xmlns:a14="http://schemas.microsoft.com/office/drawing/2010/main">
+        <mc:Choice Requires="a14">
           <p:sp>
             <p:nvSpPr>
               <p:cNvPr id="12" name="TextBox 11">
@@ -5034,7 +5095,7 @@
             </p:txBody>
           </p:sp>
         </mc:Choice>
-        <mc:Fallback>
+        <mc:Fallback xmlns="">
           <p:sp>
             <p:nvSpPr>
               <p:cNvPr id="12" name="TextBox 11">
@@ -5079,8 +5140,8 @@
           </p:sp>
         </mc:Fallback>
       </mc:AlternateContent>
-      <mc:AlternateContent xmlns:mc="http://schemas.openxmlformats.org/markup-compatibility/2006">
-        <mc:Choice xmlns:a14="http://schemas.microsoft.com/office/drawing/2010/main" Requires="a14">
+      <mc:AlternateContent xmlns:mc="http://schemas.openxmlformats.org/markup-compatibility/2006" xmlns:a14="http://schemas.microsoft.com/office/drawing/2010/main">
+        <mc:Choice Requires="a14">
           <p:sp>
             <p:nvSpPr>
               <p:cNvPr id="37" name="TextBox 36">
@@ -5147,7 +5208,7 @@
             </p:txBody>
           </p:sp>
         </mc:Choice>
-        <mc:Fallback>
+        <mc:Fallback xmlns="">
           <p:sp>
             <p:nvSpPr>
               <p:cNvPr id="37" name="TextBox 36">
@@ -5192,8 +5253,8 @@
           </p:sp>
         </mc:Fallback>
       </mc:AlternateContent>
-      <mc:AlternateContent xmlns:mc="http://schemas.openxmlformats.org/markup-compatibility/2006">
-        <mc:Choice xmlns:a14="http://schemas.microsoft.com/office/drawing/2010/main" Requires="a14">
+      <mc:AlternateContent xmlns:mc="http://schemas.openxmlformats.org/markup-compatibility/2006" xmlns:a14="http://schemas.microsoft.com/office/drawing/2010/main">
+        <mc:Choice Requires="a14">
           <p:sp>
             <p:nvSpPr>
               <p:cNvPr id="38" name="TextBox 37">
@@ -5260,7 +5321,7 @@
             </p:txBody>
           </p:sp>
         </mc:Choice>
-        <mc:Fallback>
+        <mc:Fallback xmlns="">
           <p:sp>
             <p:nvSpPr>
               <p:cNvPr id="38" name="TextBox 37">
@@ -5305,8 +5366,8 @@
           </p:sp>
         </mc:Fallback>
       </mc:AlternateContent>
-      <mc:AlternateContent xmlns:mc="http://schemas.openxmlformats.org/markup-compatibility/2006">
-        <mc:Choice xmlns:a14="http://schemas.microsoft.com/office/drawing/2010/main" Requires="a14">
+      <mc:AlternateContent xmlns:mc="http://schemas.openxmlformats.org/markup-compatibility/2006" xmlns:a14="http://schemas.microsoft.com/office/drawing/2010/main">
+        <mc:Choice Requires="a14">
           <p:sp>
             <p:nvSpPr>
               <p:cNvPr id="39" name="TextBox 38">
@@ -5373,7 +5434,7 @@
             </p:txBody>
           </p:sp>
         </mc:Choice>
-        <mc:Fallback>
+        <mc:Fallback xmlns="">
           <p:sp>
             <p:nvSpPr>
               <p:cNvPr id="39" name="TextBox 38">
@@ -5418,8 +5479,8 @@
           </p:sp>
         </mc:Fallback>
       </mc:AlternateContent>
-      <mc:AlternateContent xmlns:mc="http://schemas.openxmlformats.org/markup-compatibility/2006">
-        <mc:Choice xmlns:a14="http://schemas.microsoft.com/office/drawing/2010/main" Requires="a14">
+      <mc:AlternateContent xmlns:mc="http://schemas.openxmlformats.org/markup-compatibility/2006" xmlns:a14="http://schemas.microsoft.com/office/drawing/2010/main">
+        <mc:Choice Requires="a14">
           <p:sp>
             <p:nvSpPr>
               <p:cNvPr id="40" name="TextBox 39">
@@ -5486,7 +5547,7 @@
             </p:txBody>
           </p:sp>
         </mc:Choice>
-        <mc:Fallback>
+        <mc:Fallback xmlns="">
           <p:sp>
             <p:nvSpPr>
               <p:cNvPr id="40" name="TextBox 39">
@@ -5531,8 +5592,8 @@
           </p:sp>
         </mc:Fallback>
       </mc:AlternateContent>
-      <mc:AlternateContent xmlns:mc="http://schemas.openxmlformats.org/markup-compatibility/2006">
-        <mc:Choice xmlns:a14="http://schemas.microsoft.com/office/drawing/2010/main" Requires="a14">
+      <mc:AlternateContent xmlns:mc="http://schemas.openxmlformats.org/markup-compatibility/2006" xmlns:a14="http://schemas.microsoft.com/office/drawing/2010/main">
+        <mc:Choice Requires="a14">
           <p:sp>
             <p:nvSpPr>
               <p:cNvPr id="41" name="TextBox 40">
@@ -5599,7 +5660,7 @@
             </p:txBody>
           </p:sp>
         </mc:Choice>
-        <mc:Fallback>
+        <mc:Fallback xmlns="">
           <p:sp>
             <p:nvSpPr>
               <p:cNvPr id="41" name="TextBox 40">
@@ -5644,8 +5705,8 @@
           </p:sp>
         </mc:Fallback>
       </mc:AlternateContent>
-      <mc:AlternateContent xmlns:mc="http://schemas.openxmlformats.org/markup-compatibility/2006">
-        <mc:Choice xmlns:a14="http://schemas.microsoft.com/office/drawing/2010/main" Requires="a14">
+      <mc:AlternateContent xmlns:mc="http://schemas.openxmlformats.org/markup-compatibility/2006" xmlns:a14="http://schemas.microsoft.com/office/drawing/2010/main">
+        <mc:Choice Requires="a14">
           <p:sp>
             <p:nvSpPr>
               <p:cNvPr id="42" name="TextBox 41">
@@ -5712,7 +5773,7 @@
             </p:txBody>
           </p:sp>
         </mc:Choice>
-        <mc:Fallback>
+        <mc:Fallback xmlns="">
           <p:sp>
             <p:nvSpPr>
               <p:cNvPr id="42" name="TextBox 41">
@@ -5757,8 +5818,8 @@
           </p:sp>
         </mc:Fallback>
       </mc:AlternateContent>
-      <mc:AlternateContent xmlns:mc="http://schemas.openxmlformats.org/markup-compatibility/2006">
-        <mc:Choice xmlns:a14="http://schemas.microsoft.com/office/drawing/2010/main" Requires="a14">
+      <mc:AlternateContent xmlns:mc="http://schemas.openxmlformats.org/markup-compatibility/2006" xmlns:a14="http://schemas.microsoft.com/office/drawing/2010/main">
+        <mc:Choice Requires="a14">
           <p:sp>
             <p:nvSpPr>
               <p:cNvPr id="43" name="TextBox 42">
@@ -5825,7 +5886,7 @@
             </p:txBody>
           </p:sp>
         </mc:Choice>
-        <mc:Fallback>
+        <mc:Fallback xmlns="">
           <p:sp>
             <p:nvSpPr>
               <p:cNvPr id="43" name="TextBox 42">
@@ -5870,8 +5931,8 @@
           </p:sp>
         </mc:Fallback>
       </mc:AlternateContent>
-      <mc:AlternateContent xmlns:mc="http://schemas.openxmlformats.org/markup-compatibility/2006">
-        <mc:Choice xmlns:a14="http://schemas.microsoft.com/office/drawing/2010/main" Requires="a14">
+      <mc:AlternateContent xmlns:mc="http://schemas.openxmlformats.org/markup-compatibility/2006" xmlns:a14="http://schemas.microsoft.com/office/drawing/2010/main">
+        <mc:Choice Requires="a14">
           <p:sp>
             <p:nvSpPr>
               <p:cNvPr id="44" name="TextBox 43">
@@ -5938,7 +5999,7 @@
             </p:txBody>
           </p:sp>
         </mc:Choice>
-        <mc:Fallback>
+        <mc:Fallback xmlns="">
           <p:sp>
             <p:nvSpPr>
               <p:cNvPr id="44" name="TextBox 43">
@@ -5983,8 +6044,8 @@
           </p:sp>
         </mc:Fallback>
       </mc:AlternateContent>
-      <mc:AlternateContent xmlns:mc="http://schemas.openxmlformats.org/markup-compatibility/2006">
-        <mc:Choice xmlns:a14="http://schemas.microsoft.com/office/drawing/2010/main" Requires="a14">
+      <mc:AlternateContent xmlns:mc="http://schemas.openxmlformats.org/markup-compatibility/2006" xmlns:a14="http://schemas.microsoft.com/office/drawing/2010/main">
+        <mc:Choice Requires="a14">
           <p:sp>
             <p:nvSpPr>
               <p:cNvPr id="45" name="TextBox 44">
@@ -6051,7 +6112,7 @@
             </p:txBody>
           </p:sp>
         </mc:Choice>
-        <mc:Fallback>
+        <mc:Fallback xmlns="">
           <p:sp>
             <p:nvSpPr>
               <p:cNvPr id="45" name="TextBox 44">
@@ -6096,8 +6157,8 @@
           </p:sp>
         </mc:Fallback>
       </mc:AlternateContent>
-      <mc:AlternateContent xmlns:mc="http://schemas.openxmlformats.org/markup-compatibility/2006">
-        <mc:Choice xmlns:a14="http://schemas.microsoft.com/office/drawing/2010/main" Requires="a14">
+      <mc:AlternateContent xmlns:mc="http://schemas.openxmlformats.org/markup-compatibility/2006" xmlns:a14="http://schemas.microsoft.com/office/drawing/2010/main">
+        <mc:Choice Requires="a14">
           <p:sp>
             <p:nvSpPr>
               <p:cNvPr id="46" name="TextBox 45">
@@ -6164,7 +6225,7 @@
             </p:txBody>
           </p:sp>
         </mc:Choice>
-        <mc:Fallback>
+        <mc:Fallback xmlns="">
           <p:sp>
             <p:nvSpPr>
               <p:cNvPr id="46" name="TextBox 45">
@@ -6209,8 +6270,8 @@
           </p:sp>
         </mc:Fallback>
       </mc:AlternateContent>
-      <mc:AlternateContent xmlns:mc="http://schemas.openxmlformats.org/markup-compatibility/2006">
-        <mc:Choice xmlns:a14="http://schemas.microsoft.com/office/drawing/2010/main" Requires="a14">
+      <mc:AlternateContent xmlns:mc="http://schemas.openxmlformats.org/markup-compatibility/2006" xmlns:a14="http://schemas.microsoft.com/office/drawing/2010/main">
+        <mc:Choice Requires="a14">
           <p:sp>
             <p:nvSpPr>
               <p:cNvPr id="47" name="TextBox 46">
@@ -6277,7 +6338,7 @@
             </p:txBody>
           </p:sp>
         </mc:Choice>
-        <mc:Fallback>
+        <mc:Fallback xmlns="">
           <p:sp>
             <p:nvSpPr>
               <p:cNvPr id="47" name="TextBox 46">
@@ -6575,8 +6636,8 @@
           </a:p>
         </p:txBody>
       </p:sp>
-      <mc:AlternateContent xmlns:mc="http://schemas.openxmlformats.org/markup-compatibility/2006">
-        <mc:Choice xmlns:a14="http://schemas.microsoft.com/office/drawing/2010/main" Requires="a14">
+      <mc:AlternateContent xmlns:mc="http://schemas.openxmlformats.org/markup-compatibility/2006" xmlns:a14="http://schemas.microsoft.com/office/drawing/2010/main">
+        <mc:Choice Requires="a14">
           <p:sp>
             <p:nvSpPr>
               <p:cNvPr id="14" name="TextBox 13">
@@ -6605,6 +6666,7 @@
               </a:bodyPr>
               <a:lstStyle/>
               <a:p>
+                <a:pPr/>
                 <a14:m>
                   <m:oMathPara xmlns:m="http://schemas.openxmlformats.org/officeDocument/2006/math">
                     <m:oMathParaPr>
@@ -6631,7 +6693,7 @@
             </p:txBody>
           </p:sp>
         </mc:Choice>
-        <mc:Fallback>
+        <mc:Fallback xmlns="">
           <p:sp>
             <p:nvSpPr>
               <p:cNvPr id="14" name="TextBox 13">
@@ -6676,8 +6738,8 @@
           </p:sp>
         </mc:Fallback>
       </mc:AlternateContent>
-      <mc:AlternateContent xmlns:mc="http://schemas.openxmlformats.org/markup-compatibility/2006">
-        <mc:Choice xmlns:a14="http://schemas.microsoft.com/office/drawing/2010/main" Requires="a14">
+      <mc:AlternateContent xmlns:mc="http://schemas.openxmlformats.org/markup-compatibility/2006" xmlns:a14="http://schemas.microsoft.com/office/drawing/2010/main">
+        <mc:Choice Requires="a14">
           <p:sp>
             <p:nvSpPr>
               <p:cNvPr id="15" name="TextBox 14">
@@ -6706,6 +6768,7 @@
               </a:bodyPr>
               <a:lstStyle/>
               <a:p>
+                <a:pPr/>
                 <a14:m>
                   <m:oMathPara xmlns:m="http://schemas.openxmlformats.org/officeDocument/2006/math">
                     <m:oMathParaPr>
@@ -6732,7 +6795,7 @@
             </p:txBody>
           </p:sp>
         </mc:Choice>
-        <mc:Fallback>
+        <mc:Fallback xmlns="">
           <p:sp>
             <p:nvSpPr>
               <p:cNvPr id="15" name="TextBox 14">
